--- a/1.7 and 1.8 documentation .pptx
+++ b/1.7 and 1.8 documentation .pptx
@@ -137,24 +137,93 @@
 <file path=ppt/changesInfos/changesInfo1.xml><?xml version="1.0" encoding="utf-8"?>
 <pc:chgInfo xmlns:a="http://schemas.openxmlformats.org/drawingml/2006/main" xmlns:r="http://schemas.openxmlformats.org/officeDocument/2006/relationships" xmlns:ac="http://schemas.microsoft.com/office/drawing/2013/main/command" xmlns:pc="http://schemas.microsoft.com/office/powerpoint/2013/main/command">
   <pc:docChgLst>
-    <pc:chgData name="Patrick Baker" userId="dbad0e87-82bb-43bf-9a70-a6d8fad31ef1" providerId="ADAL" clId="{74EFB9D8-FE39-4E76-A11A-D4121DDCC861}"/>
+    <pc:chgData name="Patrick Baker" userId="dbad0e87-82bb-43bf-9a70-a6d8fad31ef1" providerId="ADAL" clId="{604D230F-50E5-4030-BA14-FAC94FA8EF88}"/>
     <pc:docChg chg="modSld">
-      <pc:chgData name="Patrick Baker" userId="dbad0e87-82bb-43bf-9a70-a6d8fad31ef1" providerId="ADAL" clId="{74EFB9D8-FE39-4E76-A11A-D4121DDCC861}" dt="2020-05-28T07:36:04.290" v="1" actId="20577"/>
+      <pc:chgData name="Patrick Baker" userId="dbad0e87-82bb-43bf-9a70-a6d8fad31ef1" providerId="ADAL" clId="{604D230F-50E5-4030-BA14-FAC94FA8EF88}" dt="2020-03-29T23:16:56.965" v="6"/>
       <pc:docMkLst>
         <pc:docMk/>
       </pc:docMkLst>
-      <pc:sldChg chg="modSp mod">
-        <pc:chgData name="Patrick Baker" userId="dbad0e87-82bb-43bf-9a70-a6d8fad31ef1" providerId="ADAL" clId="{74EFB9D8-FE39-4E76-A11A-D4121DDCC861}" dt="2020-05-28T07:36:04.290" v="1" actId="20577"/>
+      <pc:sldChg chg="modSp">
+        <pc:chgData name="Patrick Baker" userId="dbad0e87-82bb-43bf-9a70-a6d8fad31ef1" providerId="ADAL" clId="{604D230F-50E5-4030-BA14-FAC94FA8EF88}" dt="2020-03-28T23:44:21.602" v="5" actId="20577"/>
         <pc:sldMkLst>
           <pc:docMk/>
           <pc:sldMk cId="1362934084" sldId="256"/>
         </pc:sldMkLst>
         <pc:spChg chg="mod">
-          <ac:chgData name="Patrick Baker" userId="dbad0e87-82bb-43bf-9a70-a6d8fad31ef1" providerId="ADAL" clId="{74EFB9D8-FE39-4E76-A11A-D4121DDCC861}" dt="2020-05-28T07:36:04.290" v="1" actId="20577"/>
+          <ac:chgData name="Patrick Baker" userId="dbad0e87-82bb-43bf-9a70-a6d8fad31ef1" providerId="ADAL" clId="{604D230F-50E5-4030-BA14-FAC94FA8EF88}" dt="2020-03-28T23:44:21.602" v="5" actId="20577"/>
           <ac:spMkLst>
             <pc:docMk/>
             <pc:sldMk cId="1362934084" sldId="256"/>
             <ac:spMk id="2" creationId="{A96C2811-5704-42C1-869B-16E29CB6572E}"/>
+          </ac:spMkLst>
+        </pc:spChg>
+      </pc:sldChg>
+      <pc:sldChg chg="modSp">
+        <pc:chgData name="Patrick Baker" userId="dbad0e87-82bb-43bf-9a70-a6d8fad31ef1" providerId="ADAL" clId="{604D230F-50E5-4030-BA14-FAC94FA8EF88}" dt="2020-03-29T23:16:56.965" v="6"/>
+        <pc:sldMkLst>
+          <pc:docMk/>
+          <pc:sldMk cId="1252673013" sldId="262"/>
+        </pc:sldMkLst>
+        <pc:spChg chg="mod">
+          <ac:chgData name="Patrick Baker" userId="dbad0e87-82bb-43bf-9a70-a6d8fad31ef1" providerId="ADAL" clId="{604D230F-50E5-4030-BA14-FAC94FA8EF88}" dt="2020-03-29T23:16:56.965" v="6"/>
+          <ac:spMkLst>
+            <pc:docMk/>
+            <pc:sldMk cId="1252673013" sldId="262"/>
+            <ac:spMk id="3" creationId="{F1803FB6-918B-4C8E-9C25-3ECDA665EC35}"/>
+          </ac:spMkLst>
+        </pc:spChg>
+      </pc:sldChg>
+    </pc:docChg>
+  </pc:docChgLst>
+  <pc:docChgLst>
+    <pc:chgData name="Patrick Baker" userId="dbad0e87-82bb-43bf-9a70-a6d8fad31ef1" providerId="ADAL" clId="{C4FDB412-374D-466B-80AD-129B7C33E047}"/>
+    <pc:docChg chg="modSld">
+      <pc:chgData name="Patrick Baker" userId="dbad0e87-82bb-43bf-9a70-a6d8fad31ef1" providerId="ADAL" clId="{C4FDB412-374D-466B-80AD-129B7C33E047}" dt="2020-04-03T21:24:21.169" v="41" actId="20577"/>
+      <pc:docMkLst>
+        <pc:docMk/>
+      </pc:docMkLst>
+      <pc:sldChg chg="modSp mod">
+        <pc:chgData name="Patrick Baker" userId="dbad0e87-82bb-43bf-9a70-a6d8fad31ef1" providerId="ADAL" clId="{C4FDB412-374D-466B-80AD-129B7C33E047}" dt="2020-04-03T21:24:21.169" v="41" actId="20577"/>
+        <pc:sldMkLst>
+          <pc:docMk/>
+          <pc:sldMk cId="2158459777" sldId="259"/>
+        </pc:sldMkLst>
+        <pc:spChg chg="mod">
+          <ac:chgData name="Patrick Baker" userId="dbad0e87-82bb-43bf-9a70-a6d8fad31ef1" providerId="ADAL" clId="{C4FDB412-374D-466B-80AD-129B7C33E047}" dt="2020-04-03T21:24:21.169" v="41" actId="20577"/>
+          <ac:spMkLst>
+            <pc:docMk/>
+            <pc:sldMk cId="2158459777" sldId="259"/>
+            <ac:spMk id="3" creationId="{58DD00F9-2344-45F4-B745-B1FF6594539B}"/>
+          </ac:spMkLst>
+        </pc:spChg>
+      </pc:sldChg>
+      <pc:sldChg chg="modSp mod modNotesTx">
+        <pc:chgData name="Patrick Baker" userId="dbad0e87-82bb-43bf-9a70-a6d8fad31ef1" providerId="ADAL" clId="{C4FDB412-374D-466B-80AD-129B7C33E047}" dt="2020-04-02T20:53:05.083" v="30" actId="20577"/>
+        <pc:sldMkLst>
+          <pc:docMk/>
+          <pc:sldMk cId="3760331451" sldId="260"/>
+        </pc:sldMkLst>
+        <pc:spChg chg="mod">
+          <ac:chgData name="Patrick Baker" userId="dbad0e87-82bb-43bf-9a70-a6d8fad31ef1" providerId="ADAL" clId="{C4FDB412-374D-466B-80AD-129B7C33E047}" dt="2020-04-02T20:53:05.083" v="30" actId="20577"/>
+          <ac:spMkLst>
+            <pc:docMk/>
+            <pc:sldMk cId="3760331451" sldId="260"/>
+            <ac:spMk id="4" creationId="{937BF58F-E358-4625-919F-7C3D6EEBA8FB}"/>
+          </ac:spMkLst>
+        </pc:spChg>
+      </pc:sldChg>
+      <pc:sldChg chg="modSp mod">
+        <pc:chgData name="Patrick Baker" userId="dbad0e87-82bb-43bf-9a70-a6d8fad31ef1" providerId="ADAL" clId="{C4FDB412-374D-466B-80AD-129B7C33E047}" dt="2020-04-02T20:54:41.192" v="32"/>
+        <pc:sldMkLst>
+          <pc:docMk/>
+          <pc:sldMk cId="1357549755" sldId="261"/>
+        </pc:sldMkLst>
+        <pc:spChg chg="mod">
+          <ac:chgData name="Patrick Baker" userId="dbad0e87-82bb-43bf-9a70-a6d8fad31ef1" providerId="ADAL" clId="{C4FDB412-374D-466B-80AD-129B7C33E047}" dt="2020-04-02T20:54:41.192" v="32"/>
+          <ac:spMkLst>
+            <pc:docMk/>
+            <pc:sldMk cId="1357549755" sldId="261"/>
+            <ac:spMk id="3" creationId="{A89172B1-B985-48A3-8018-FC6FF45BCE4F}"/>
           </ac:spMkLst>
         </pc:spChg>
       </pc:sldChg>
@@ -294,6 +363,54 @@
           <pc:docMk/>
           <pc:sldMk cId="975627948" sldId="272"/>
         </pc:sldMkLst>
+      </pc:sldChg>
+    </pc:docChg>
+  </pc:docChgLst>
+  <pc:docChgLst>
+    <pc:chgData name="Patrick Baker" userId="dbad0e87-82bb-43bf-9a70-a6d8fad31ef1" providerId="ADAL" clId="{2EAA228F-0D1D-4DC0-9DB2-6B94E92BE234}"/>
+    <pc:docChg chg="modSld">
+      <pc:chgData name="Patrick Baker" userId="dbad0e87-82bb-43bf-9a70-a6d8fad31ef1" providerId="ADAL" clId="{2EAA228F-0D1D-4DC0-9DB2-6B94E92BE234}" dt="2020-07-15T02:45:25.918" v="0"/>
+      <pc:docMkLst>
+        <pc:docMk/>
+      </pc:docMkLst>
+      <pc:sldChg chg="modSp">
+        <pc:chgData name="Patrick Baker" userId="dbad0e87-82bb-43bf-9a70-a6d8fad31ef1" providerId="ADAL" clId="{2EAA228F-0D1D-4DC0-9DB2-6B94E92BE234}" dt="2020-07-15T02:45:25.918" v="0"/>
+        <pc:sldMkLst>
+          <pc:docMk/>
+          <pc:sldMk cId="0" sldId="269"/>
+        </pc:sldMkLst>
+        <pc:graphicFrameChg chg="mod">
+          <ac:chgData name="Patrick Baker" userId="dbad0e87-82bb-43bf-9a70-a6d8fad31ef1" providerId="ADAL" clId="{2EAA228F-0D1D-4DC0-9DB2-6B94E92BE234}" dt="2020-07-15T02:45:25.918" v="0"/>
+          <ac:graphicFrameMkLst>
+            <pc:docMk/>
+            <pc:sldMk cId="0" sldId="269"/>
+            <ac:graphicFrameMk id="92" creationId="{00000000-0000-0000-0000-000000000000}"/>
+          </ac:graphicFrameMkLst>
+        </pc:graphicFrameChg>
+      </pc:sldChg>
+    </pc:docChg>
+  </pc:docChgLst>
+  <pc:docChgLst>
+    <pc:chgData name="Patrick Baker" userId="dbad0e87-82bb-43bf-9a70-a6d8fad31ef1" providerId="ADAL" clId="{74EFB9D8-FE39-4E76-A11A-D4121DDCC861}"/>
+    <pc:docChg chg="modSld">
+      <pc:chgData name="Patrick Baker" userId="dbad0e87-82bb-43bf-9a70-a6d8fad31ef1" providerId="ADAL" clId="{74EFB9D8-FE39-4E76-A11A-D4121DDCC861}" dt="2020-05-28T07:36:04.290" v="1" actId="20577"/>
+      <pc:docMkLst>
+        <pc:docMk/>
+      </pc:docMkLst>
+      <pc:sldChg chg="modSp mod">
+        <pc:chgData name="Patrick Baker" userId="dbad0e87-82bb-43bf-9a70-a6d8fad31ef1" providerId="ADAL" clId="{74EFB9D8-FE39-4E76-A11A-D4121DDCC861}" dt="2020-05-28T07:36:04.290" v="1" actId="20577"/>
+        <pc:sldMkLst>
+          <pc:docMk/>
+          <pc:sldMk cId="1362934084" sldId="256"/>
+        </pc:sldMkLst>
+        <pc:spChg chg="mod">
+          <ac:chgData name="Patrick Baker" userId="dbad0e87-82bb-43bf-9a70-a6d8fad31ef1" providerId="ADAL" clId="{74EFB9D8-FE39-4E76-A11A-D4121DDCC861}" dt="2020-05-28T07:36:04.290" v="1" actId="20577"/>
+          <ac:spMkLst>
+            <pc:docMk/>
+            <pc:sldMk cId="1362934084" sldId="256"/>
+            <ac:spMk id="2" creationId="{A96C2811-5704-42C1-869B-16E29CB6572E}"/>
+          </ac:spMkLst>
+        </pc:spChg>
       </pc:sldChg>
     </pc:docChg>
   </pc:docChgLst>
@@ -698,123 +815,6 @@
       </pc:sldChg>
     </pc:docChg>
   </pc:docChgLst>
-  <pc:docChgLst>
-    <pc:chgData name="Patrick Baker" userId="dbad0e87-82bb-43bf-9a70-a6d8fad31ef1" providerId="ADAL" clId="{604D230F-50E5-4030-BA14-FAC94FA8EF88}"/>
-    <pc:docChg chg="modSld">
-      <pc:chgData name="Patrick Baker" userId="dbad0e87-82bb-43bf-9a70-a6d8fad31ef1" providerId="ADAL" clId="{604D230F-50E5-4030-BA14-FAC94FA8EF88}" dt="2020-03-29T23:16:56.965" v="6"/>
-      <pc:docMkLst>
-        <pc:docMk/>
-      </pc:docMkLst>
-      <pc:sldChg chg="modSp">
-        <pc:chgData name="Patrick Baker" userId="dbad0e87-82bb-43bf-9a70-a6d8fad31ef1" providerId="ADAL" clId="{604D230F-50E5-4030-BA14-FAC94FA8EF88}" dt="2020-03-28T23:44:21.602" v="5" actId="20577"/>
-        <pc:sldMkLst>
-          <pc:docMk/>
-          <pc:sldMk cId="1362934084" sldId="256"/>
-        </pc:sldMkLst>
-        <pc:spChg chg="mod">
-          <ac:chgData name="Patrick Baker" userId="dbad0e87-82bb-43bf-9a70-a6d8fad31ef1" providerId="ADAL" clId="{604D230F-50E5-4030-BA14-FAC94FA8EF88}" dt="2020-03-28T23:44:21.602" v="5" actId="20577"/>
-          <ac:spMkLst>
-            <pc:docMk/>
-            <pc:sldMk cId="1362934084" sldId="256"/>
-            <ac:spMk id="2" creationId="{A96C2811-5704-42C1-869B-16E29CB6572E}"/>
-          </ac:spMkLst>
-        </pc:spChg>
-      </pc:sldChg>
-      <pc:sldChg chg="modSp">
-        <pc:chgData name="Patrick Baker" userId="dbad0e87-82bb-43bf-9a70-a6d8fad31ef1" providerId="ADAL" clId="{604D230F-50E5-4030-BA14-FAC94FA8EF88}" dt="2020-03-29T23:16:56.965" v="6"/>
-        <pc:sldMkLst>
-          <pc:docMk/>
-          <pc:sldMk cId="1252673013" sldId="262"/>
-        </pc:sldMkLst>
-        <pc:spChg chg="mod">
-          <ac:chgData name="Patrick Baker" userId="dbad0e87-82bb-43bf-9a70-a6d8fad31ef1" providerId="ADAL" clId="{604D230F-50E5-4030-BA14-FAC94FA8EF88}" dt="2020-03-29T23:16:56.965" v="6"/>
-          <ac:spMkLst>
-            <pc:docMk/>
-            <pc:sldMk cId="1252673013" sldId="262"/>
-            <ac:spMk id="3" creationId="{F1803FB6-918B-4C8E-9C25-3ECDA665EC35}"/>
-          </ac:spMkLst>
-        </pc:spChg>
-      </pc:sldChg>
-    </pc:docChg>
-  </pc:docChgLst>
-  <pc:docChgLst>
-    <pc:chgData name="Patrick Baker" userId="dbad0e87-82bb-43bf-9a70-a6d8fad31ef1" providerId="ADAL" clId="{C4FDB412-374D-466B-80AD-129B7C33E047}"/>
-    <pc:docChg chg="modSld">
-      <pc:chgData name="Patrick Baker" userId="dbad0e87-82bb-43bf-9a70-a6d8fad31ef1" providerId="ADAL" clId="{C4FDB412-374D-466B-80AD-129B7C33E047}" dt="2020-04-03T21:24:21.169" v="41" actId="20577"/>
-      <pc:docMkLst>
-        <pc:docMk/>
-      </pc:docMkLst>
-      <pc:sldChg chg="modSp mod">
-        <pc:chgData name="Patrick Baker" userId="dbad0e87-82bb-43bf-9a70-a6d8fad31ef1" providerId="ADAL" clId="{C4FDB412-374D-466B-80AD-129B7C33E047}" dt="2020-04-03T21:24:21.169" v="41" actId="20577"/>
-        <pc:sldMkLst>
-          <pc:docMk/>
-          <pc:sldMk cId="2158459777" sldId="259"/>
-        </pc:sldMkLst>
-        <pc:spChg chg="mod">
-          <ac:chgData name="Patrick Baker" userId="dbad0e87-82bb-43bf-9a70-a6d8fad31ef1" providerId="ADAL" clId="{C4FDB412-374D-466B-80AD-129B7C33E047}" dt="2020-04-03T21:24:21.169" v="41" actId="20577"/>
-          <ac:spMkLst>
-            <pc:docMk/>
-            <pc:sldMk cId="2158459777" sldId="259"/>
-            <ac:spMk id="3" creationId="{58DD00F9-2344-45F4-B745-B1FF6594539B}"/>
-          </ac:spMkLst>
-        </pc:spChg>
-      </pc:sldChg>
-      <pc:sldChg chg="modSp mod modNotesTx">
-        <pc:chgData name="Patrick Baker" userId="dbad0e87-82bb-43bf-9a70-a6d8fad31ef1" providerId="ADAL" clId="{C4FDB412-374D-466B-80AD-129B7C33E047}" dt="2020-04-02T20:53:05.083" v="30" actId="20577"/>
-        <pc:sldMkLst>
-          <pc:docMk/>
-          <pc:sldMk cId="3760331451" sldId="260"/>
-        </pc:sldMkLst>
-        <pc:spChg chg="mod">
-          <ac:chgData name="Patrick Baker" userId="dbad0e87-82bb-43bf-9a70-a6d8fad31ef1" providerId="ADAL" clId="{C4FDB412-374D-466B-80AD-129B7C33E047}" dt="2020-04-02T20:53:05.083" v="30" actId="20577"/>
-          <ac:spMkLst>
-            <pc:docMk/>
-            <pc:sldMk cId="3760331451" sldId="260"/>
-            <ac:spMk id="4" creationId="{937BF58F-E358-4625-919F-7C3D6EEBA8FB}"/>
-          </ac:spMkLst>
-        </pc:spChg>
-      </pc:sldChg>
-      <pc:sldChg chg="modSp mod">
-        <pc:chgData name="Patrick Baker" userId="dbad0e87-82bb-43bf-9a70-a6d8fad31ef1" providerId="ADAL" clId="{C4FDB412-374D-466B-80AD-129B7C33E047}" dt="2020-04-02T20:54:41.192" v="32"/>
-        <pc:sldMkLst>
-          <pc:docMk/>
-          <pc:sldMk cId="1357549755" sldId="261"/>
-        </pc:sldMkLst>
-        <pc:spChg chg="mod">
-          <ac:chgData name="Patrick Baker" userId="dbad0e87-82bb-43bf-9a70-a6d8fad31ef1" providerId="ADAL" clId="{C4FDB412-374D-466B-80AD-129B7C33E047}" dt="2020-04-02T20:54:41.192" v="32"/>
-          <ac:spMkLst>
-            <pc:docMk/>
-            <pc:sldMk cId="1357549755" sldId="261"/>
-            <ac:spMk id="3" creationId="{A89172B1-B985-48A3-8018-FC6FF45BCE4F}"/>
-          </ac:spMkLst>
-        </pc:spChg>
-      </pc:sldChg>
-    </pc:docChg>
-  </pc:docChgLst>
-  <pc:docChgLst>
-    <pc:chgData name="Patrick Baker" userId="dbad0e87-82bb-43bf-9a70-a6d8fad31ef1" providerId="ADAL" clId="{2EAA228F-0D1D-4DC0-9DB2-6B94E92BE234}"/>
-    <pc:docChg chg="modSld">
-      <pc:chgData name="Patrick Baker" userId="dbad0e87-82bb-43bf-9a70-a6d8fad31ef1" providerId="ADAL" clId="{2EAA228F-0D1D-4DC0-9DB2-6B94E92BE234}" dt="2020-07-15T02:45:25.918" v="0"/>
-      <pc:docMkLst>
-        <pc:docMk/>
-      </pc:docMkLst>
-      <pc:sldChg chg="modSp">
-        <pc:chgData name="Patrick Baker" userId="dbad0e87-82bb-43bf-9a70-a6d8fad31ef1" providerId="ADAL" clId="{2EAA228F-0D1D-4DC0-9DB2-6B94E92BE234}" dt="2020-07-15T02:45:25.918" v="0"/>
-        <pc:sldMkLst>
-          <pc:docMk/>
-          <pc:sldMk cId="0" sldId="269"/>
-        </pc:sldMkLst>
-        <pc:graphicFrameChg chg="mod">
-          <ac:chgData name="Patrick Baker" userId="dbad0e87-82bb-43bf-9a70-a6d8fad31ef1" providerId="ADAL" clId="{2EAA228F-0D1D-4DC0-9DB2-6B94E92BE234}" dt="2020-07-15T02:45:25.918" v="0"/>
-          <ac:graphicFrameMkLst>
-            <pc:docMk/>
-            <pc:sldMk cId="0" sldId="269"/>
-            <ac:graphicFrameMk id="92" creationId="{00000000-0000-0000-0000-000000000000}"/>
-          </ac:graphicFrameMkLst>
-        </pc:graphicFrameChg>
-      </pc:sldChg>
-    </pc:docChg>
-  </pc:docChgLst>
 </pc:chgInfo>
 </file>
 
@@ -900,7 +900,7 @@
           <a:p>
             <a:fld id="{F37D28C0-BEB6-42B0-A203-EEE1023219C4}" type="datetimeFigureOut">
               <a:rPr lang="en-NZ" smtClean="0"/>
-              <a:t>13/11/2021</a:t>
+              <a:t>31/03/2022</a:t>
             </a:fld>
             <a:endParaRPr lang="en-NZ"/>
           </a:p>
@@ -2301,7 +2301,7 @@
           <a:p>
             <a:fld id="{9C4A4F43-1C06-40E6-8F87-8B286982E50E}" type="datetimeFigureOut">
               <a:rPr lang="en-NZ" smtClean="0"/>
-              <a:t>13/11/2021</a:t>
+              <a:t>31/03/2022</a:t>
             </a:fld>
             <a:endParaRPr lang="en-NZ" dirty="0"/>
           </a:p>
@@ -2501,7 +2501,7 @@
           <a:p>
             <a:fld id="{9C4A4F43-1C06-40E6-8F87-8B286982E50E}" type="datetimeFigureOut">
               <a:rPr lang="en-NZ" smtClean="0"/>
-              <a:t>13/11/2021</a:t>
+              <a:t>31/03/2022</a:t>
             </a:fld>
             <a:endParaRPr lang="en-NZ" dirty="0"/>
           </a:p>
@@ -2711,7 +2711,7 @@
           <a:p>
             <a:fld id="{9C4A4F43-1C06-40E6-8F87-8B286982E50E}" type="datetimeFigureOut">
               <a:rPr lang="en-NZ" smtClean="0"/>
-              <a:t>13/11/2021</a:t>
+              <a:t>31/03/2022</a:t>
             </a:fld>
             <a:endParaRPr lang="en-NZ" dirty="0"/>
           </a:p>
@@ -3270,7 +3270,7 @@
           <a:p>
             <a:fld id="{9C4A4F43-1C06-40E6-8F87-8B286982E50E}" type="datetimeFigureOut">
               <a:rPr lang="en-NZ" smtClean="0"/>
-              <a:t>13/11/2021</a:t>
+              <a:t>31/03/2022</a:t>
             </a:fld>
             <a:endParaRPr lang="en-NZ" dirty="0"/>
           </a:p>
@@ -3546,7 +3546,7 @@
           <a:p>
             <a:fld id="{9C4A4F43-1C06-40E6-8F87-8B286982E50E}" type="datetimeFigureOut">
               <a:rPr lang="en-NZ" smtClean="0"/>
-              <a:t>13/11/2021</a:t>
+              <a:t>31/03/2022</a:t>
             </a:fld>
             <a:endParaRPr lang="en-NZ" dirty="0"/>
           </a:p>
@@ -3814,7 +3814,7 @@
           <a:p>
             <a:fld id="{9C4A4F43-1C06-40E6-8F87-8B286982E50E}" type="datetimeFigureOut">
               <a:rPr lang="en-NZ" smtClean="0"/>
-              <a:t>13/11/2021</a:t>
+              <a:t>31/03/2022</a:t>
             </a:fld>
             <a:endParaRPr lang="en-NZ" dirty="0"/>
           </a:p>
@@ -4229,7 +4229,7 @@
           <a:p>
             <a:fld id="{9C4A4F43-1C06-40E6-8F87-8B286982E50E}" type="datetimeFigureOut">
               <a:rPr lang="en-NZ" smtClean="0"/>
-              <a:t>13/11/2021</a:t>
+              <a:t>31/03/2022</a:t>
             </a:fld>
             <a:endParaRPr lang="en-NZ" dirty="0"/>
           </a:p>
@@ -4371,7 +4371,7 @@
           <a:p>
             <a:fld id="{9C4A4F43-1C06-40E6-8F87-8B286982E50E}" type="datetimeFigureOut">
               <a:rPr lang="en-NZ" smtClean="0"/>
-              <a:t>13/11/2021</a:t>
+              <a:t>31/03/2022</a:t>
             </a:fld>
             <a:endParaRPr lang="en-NZ" dirty="0"/>
           </a:p>
@@ -4484,7 +4484,7 @@
           <a:p>
             <a:fld id="{9C4A4F43-1C06-40E6-8F87-8B286982E50E}" type="datetimeFigureOut">
               <a:rPr lang="en-NZ" smtClean="0"/>
-              <a:t>13/11/2021</a:t>
+              <a:t>31/03/2022</a:t>
             </a:fld>
             <a:endParaRPr lang="en-NZ" dirty="0"/>
           </a:p>
@@ -4797,7 +4797,7 @@
           <a:p>
             <a:fld id="{9C4A4F43-1C06-40E6-8F87-8B286982E50E}" type="datetimeFigureOut">
               <a:rPr lang="en-NZ" smtClean="0"/>
-              <a:t>13/11/2021</a:t>
+              <a:t>31/03/2022</a:t>
             </a:fld>
             <a:endParaRPr lang="en-NZ" dirty="0"/>
           </a:p>
@@ -5086,7 +5086,7 @@
           <a:p>
             <a:fld id="{9C4A4F43-1C06-40E6-8F87-8B286982E50E}" type="datetimeFigureOut">
               <a:rPr lang="en-NZ" smtClean="0"/>
-              <a:t>13/11/2021</a:t>
+              <a:t>31/03/2022</a:t>
             </a:fld>
             <a:endParaRPr lang="en-NZ" dirty="0"/>
           </a:p>
@@ -5329,7 +5329,7 @@
           <a:p>
             <a:fld id="{9C4A4F43-1C06-40E6-8F87-8B286982E50E}" type="datetimeFigureOut">
               <a:rPr lang="en-NZ" smtClean="0"/>
-              <a:t>13/11/2021</a:t>
+              <a:t>31/03/2022</a:t>
             </a:fld>
             <a:endParaRPr lang="en-NZ" dirty="0"/>
           </a:p>
@@ -7248,6 +7248,66 @@
           </a:p>
         </p:txBody>
       </p:sp>
+      <p:pic>
+        <p:nvPicPr>
+          <p:cNvPr id="5" name="Picture 4">
+            <a:extLst>
+              <a:ext uri="{FF2B5EF4-FFF2-40B4-BE49-F238E27FC236}">
+                <a16:creationId xmlns:a16="http://schemas.microsoft.com/office/drawing/2014/main" id="{40EB439C-2AEC-45C6-86AB-C7BEBF5E3571}"/>
+              </a:ext>
+            </a:extLst>
+          </p:cNvPr>
+          <p:cNvPicPr>
+            <a:picLocks noChangeAspect="1"/>
+          </p:cNvPicPr>
+          <p:nvPr/>
+        </p:nvPicPr>
+        <p:blipFill>
+          <a:blip r:embed="rId3"/>
+          <a:stretch>
+            <a:fillRect/>
+          </a:stretch>
+        </p:blipFill>
+        <p:spPr>
+          <a:xfrm>
+            <a:off x="8715007" y="1901268"/>
+            <a:ext cx="2638793" cy="3991532"/>
+          </a:xfrm>
+          <a:prstGeom prst="rect">
+            <a:avLst/>
+          </a:prstGeom>
+        </p:spPr>
+      </p:pic>
+      <p:pic>
+        <p:nvPicPr>
+          <p:cNvPr id="7" name="Picture 6">
+            <a:extLst>
+              <a:ext uri="{FF2B5EF4-FFF2-40B4-BE49-F238E27FC236}">
+                <a16:creationId xmlns:a16="http://schemas.microsoft.com/office/drawing/2014/main" id="{C03EE022-5141-4633-A4A6-D6C7B486254D}"/>
+              </a:ext>
+            </a:extLst>
+          </p:cNvPr>
+          <p:cNvPicPr>
+            <a:picLocks noChangeAspect="1"/>
+          </p:cNvPicPr>
+          <p:nvPr/>
+        </p:nvPicPr>
+        <p:blipFill>
+          <a:blip r:embed="rId4"/>
+          <a:stretch>
+            <a:fillRect/>
+          </a:stretch>
+        </p:blipFill>
+        <p:spPr>
+          <a:xfrm>
+            <a:off x="1347104" y="2229926"/>
+            <a:ext cx="6439799" cy="3334215"/>
+          </a:xfrm>
+          <a:prstGeom prst="rect">
+            <a:avLst/>
+          </a:prstGeom>
+        </p:spPr>
+      </p:pic>
     </p:spTree>
     <p:extLst>
       <p:ext uri="{BB962C8B-B14F-4D97-AF65-F5344CB8AC3E}">
